--- a/presentation/multithread-matrix-multiplication.pptx
+++ b/presentation/multithread-matrix-multiplication.pptx
@@ -14,6 +14,7 @@
     <p:sldId id="264" r:id="rId8"/>
     <p:sldId id="265" r:id="rId9"/>
     <p:sldId id="266" r:id="rId10"/>
+    <p:sldId id="267" r:id="rId11"/>
   </p:sldIdLst>
   <p:sldSz cx="12192000" cy="6858000"/>
   <p:notesSz cx="6858000" cy="9144000"/>
@@ -112,6 +113,11 @@
       </a:defRPr>
     </a:lvl9pPr>
   </p:defaultTextStyle>
+  <p:extLst>
+    <p:ext uri="{EFAFB233-063F-42B5-8137-9DF3F51BA10A}">
+      <p15:sldGuideLst xmlns:p15="http://schemas.microsoft.com/office/powerpoint/2012/main"/>
+    </p:ext>
+  </p:extLst>
 </p:presentation>
 </file>
 
@@ -262,7 +268,7 @@
           <a:p>
             <a:fld id="{54C1D611-3D78-41F7-AEFB-EC627EB44C22}" type="datetimeFigureOut">
               <a:rPr lang="en-US" smtClean="0"/>
-              <a:t>4/15/2021</a:t>
+              <a:t>4/16/2021</a:t>
             </a:fld>
             <a:endParaRPr lang="en-US"/>
           </a:p>
@@ -460,7 +466,7 @@
           <a:p>
             <a:fld id="{54C1D611-3D78-41F7-AEFB-EC627EB44C22}" type="datetimeFigureOut">
               <a:rPr lang="en-US" smtClean="0"/>
-              <a:t>4/15/2021</a:t>
+              <a:t>4/16/2021</a:t>
             </a:fld>
             <a:endParaRPr lang="en-US"/>
           </a:p>
@@ -668,7 +674,7 @@
           <a:p>
             <a:fld id="{54C1D611-3D78-41F7-AEFB-EC627EB44C22}" type="datetimeFigureOut">
               <a:rPr lang="en-US" smtClean="0"/>
-              <a:t>4/15/2021</a:t>
+              <a:t>4/16/2021</a:t>
             </a:fld>
             <a:endParaRPr lang="en-US"/>
           </a:p>
@@ -866,7 +872,7 @@
           <a:p>
             <a:fld id="{54C1D611-3D78-41F7-AEFB-EC627EB44C22}" type="datetimeFigureOut">
               <a:rPr lang="en-US" smtClean="0"/>
-              <a:t>4/15/2021</a:t>
+              <a:t>4/16/2021</a:t>
             </a:fld>
             <a:endParaRPr lang="en-US"/>
           </a:p>
@@ -1141,7 +1147,7 @@
           <a:p>
             <a:fld id="{54C1D611-3D78-41F7-AEFB-EC627EB44C22}" type="datetimeFigureOut">
               <a:rPr lang="en-US" smtClean="0"/>
-              <a:t>4/15/2021</a:t>
+              <a:t>4/16/2021</a:t>
             </a:fld>
             <a:endParaRPr lang="en-US"/>
           </a:p>
@@ -1406,7 +1412,7 @@
           <a:p>
             <a:fld id="{54C1D611-3D78-41F7-AEFB-EC627EB44C22}" type="datetimeFigureOut">
               <a:rPr lang="en-US" smtClean="0"/>
-              <a:t>4/15/2021</a:t>
+              <a:t>4/16/2021</a:t>
             </a:fld>
             <a:endParaRPr lang="en-US"/>
           </a:p>
@@ -1818,7 +1824,7 @@
           <a:p>
             <a:fld id="{54C1D611-3D78-41F7-AEFB-EC627EB44C22}" type="datetimeFigureOut">
               <a:rPr lang="en-US" smtClean="0"/>
-              <a:t>4/15/2021</a:t>
+              <a:t>4/16/2021</a:t>
             </a:fld>
             <a:endParaRPr lang="en-US"/>
           </a:p>
@@ -1959,7 +1965,7 @@
           <a:p>
             <a:fld id="{54C1D611-3D78-41F7-AEFB-EC627EB44C22}" type="datetimeFigureOut">
               <a:rPr lang="en-US" smtClean="0"/>
-              <a:t>4/15/2021</a:t>
+              <a:t>4/16/2021</a:t>
             </a:fld>
             <a:endParaRPr lang="en-US"/>
           </a:p>
@@ -2072,7 +2078,7 @@
           <a:p>
             <a:fld id="{54C1D611-3D78-41F7-AEFB-EC627EB44C22}" type="datetimeFigureOut">
               <a:rPr lang="en-US" smtClean="0"/>
-              <a:t>4/15/2021</a:t>
+              <a:t>4/16/2021</a:t>
             </a:fld>
             <a:endParaRPr lang="en-US"/>
           </a:p>
@@ -2383,7 +2389,7 @@
           <a:p>
             <a:fld id="{54C1D611-3D78-41F7-AEFB-EC627EB44C22}" type="datetimeFigureOut">
               <a:rPr lang="en-US" smtClean="0"/>
-              <a:t>4/15/2021</a:t>
+              <a:t>4/16/2021</a:t>
             </a:fld>
             <a:endParaRPr lang="en-US"/>
           </a:p>
@@ -2671,7 +2677,7 @@
           <a:p>
             <a:fld id="{54C1D611-3D78-41F7-AEFB-EC627EB44C22}" type="datetimeFigureOut">
               <a:rPr lang="en-US" smtClean="0"/>
-              <a:t>4/15/2021</a:t>
+              <a:t>4/16/2021</a:t>
             </a:fld>
             <a:endParaRPr lang="en-US"/>
           </a:p>
@@ -2912,7 +2918,7 @@
           <a:p>
             <a:fld id="{54C1D611-3D78-41F7-AEFB-EC627EB44C22}" type="datetimeFigureOut">
               <a:rPr lang="en-US" smtClean="0"/>
-              <a:t>4/15/2021</a:t>
+              <a:t>4/16/2021</a:t>
             </a:fld>
             <a:endParaRPr lang="en-US"/>
           </a:p>
@@ -4014,6 +4020,168 @@
 </p:sld>
 </file>
 
+<file path=ppt/slides/slide10.xml><?xml version="1.0" encoding="utf-8"?>
+<p:sld xmlns:a="http://schemas.openxmlformats.org/drawingml/2006/main" xmlns:r="http://schemas.openxmlformats.org/officeDocument/2006/relationships" xmlns:p="http://schemas.openxmlformats.org/presentationml/2006/main">
+  <p:cSld>
+    <p:bg>
+      <p:bgPr>
+        <a:blipFill dpi="0" rotWithShape="1">
+          <a:blip r:embed="rId2">
+            <a:lum/>
+          </a:blip>
+          <a:srcRect/>
+          <a:stretch>
+            <a:fillRect/>
+          </a:stretch>
+        </a:blipFill>
+        <a:effectLst/>
+      </p:bgPr>
+    </p:bg>
+    <p:spTree>
+      <p:nvGrpSpPr>
+        <p:cNvPr id="1" name=""/>
+        <p:cNvGrpSpPr/>
+        <p:nvPr/>
+      </p:nvGrpSpPr>
+      <p:grpSpPr>
+        <a:xfrm>
+          <a:off x="0" y="0"/>
+          <a:ext cx="0" cy="0"/>
+          <a:chOff x="0" y="0"/>
+          <a:chExt cx="0" cy="0"/>
+        </a:xfrm>
+      </p:grpSpPr>
+      <p:sp>
+        <p:nvSpPr>
+          <p:cNvPr id="4" name="Title 3">
+            <a:extLst>
+              <a:ext uri="{FF2B5EF4-FFF2-40B4-BE49-F238E27FC236}">
+                <a16:creationId xmlns:a16="http://schemas.microsoft.com/office/drawing/2014/main" id="{1572C820-7A5B-43D4-9A3F-6A3D25C0C6B9}"/>
+              </a:ext>
+            </a:extLst>
+          </p:cNvPr>
+          <p:cNvSpPr>
+            <a:spLocks noGrp="1"/>
+          </p:cNvSpPr>
+          <p:nvPr>
+            <p:ph type="title"/>
+          </p:nvPr>
+        </p:nvSpPr>
+        <p:spPr>
+          <a:xfrm>
+            <a:off x="838200" y="2766218"/>
+            <a:ext cx="10515600" cy="1325563"/>
+          </a:xfrm>
+        </p:spPr>
+        <p:txBody>
+          <a:bodyPr/>
+          <a:lstStyle/>
+          <a:p>
+            <a:pPr algn="ctr"/>
+            <a:r>
+              <a:rPr lang="en-US"/>
+              <a:t>Cám ơn các bạn đã theo dõi!</a:t>
+            </a:r>
+          </a:p>
+        </p:txBody>
+      </p:sp>
+      <p:sp>
+        <p:nvSpPr>
+          <p:cNvPr id="5" name="TextBox 4">
+            <a:extLst>
+              <a:ext uri="{FF2B5EF4-FFF2-40B4-BE49-F238E27FC236}">
+                <a16:creationId xmlns:a16="http://schemas.microsoft.com/office/drawing/2014/main" id="{282CE7F4-33C9-44C8-9214-BF9A8D585974}"/>
+              </a:ext>
+            </a:extLst>
+          </p:cNvPr>
+          <p:cNvSpPr txBox="1"/>
+          <p:nvPr/>
+        </p:nvSpPr>
+        <p:spPr>
+          <a:xfrm>
+            <a:off x="5077709" y="5244057"/>
+            <a:ext cx="4824334" cy="461665"/>
+          </a:xfrm>
+          <a:prstGeom prst="rect">
+            <a:avLst/>
+          </a:prstGeom>
+          <a:noFill/>
+        </p:spPr>
+        <p:txBody>
+          <a:bodyPr wrap="none" rtlCol="0">
+            <a:spAutoFit/>
+          </a:bodyPr>
+          <a:lstStyle/>
+          <a:p>
+            <a:r>
+              <a:rPr lang="en-US" sz="2400">
+                <a:latin typeface="+mj-lt"/>
+              </a:rPr>
+              <a:t>Có thắc mắc nào hãy đặt câu hỏi nhé!</a:t>
+            </a:r>
+          </a:p>
+        </p:txBody>
+      </p:sp>
+      <p:pic>
+        <p:nvPicPr>
+          <p:cNvPr id="1038" name="Picture 14" descr="Just Do It Shia LaBeouf transparent PNG - StickPNG">
+            <a:extLst>
+              <a:ext uri="{FF2B5EF4-FFF2-40B4-BE49-F238E27FC236}">
+                <a16:creationId xmlns:a16="http://schemas.microsoft.com/office/drawing/2014/main" id="{67AE5086-9717-4CA8-ABFB-7535F964CC79}"/>
+              </a:ext>
+            </a:extLst>
+          </p:cNvPr>
+          <p:cNvPicPr>
+            <a:picLocks noChangeAspect="1" noChangeArrowheads="1"/>
+          </p:cNvPicPr>
+          <p:nvPr/>
+        </p:nvPicPr>
+        <p:blipFill>
+          <a:blip r:embed="rId3">
+            <a:extLst>
+              <a:ext uri="{28A0092B-C50C-407E-A947-70E740481C1C}">
+                <a14:useLocalDpi xmlns:a14="http://schemas.microsoft.com/office/drawing/2010/main" val="0"/>
+              </a:ext>
+            </a:extLst>
+          </a:blip>
+          <a:srcRect/>
+          <a:stretch>
+            <a:fillRect/>
+          </a:stretch>
+        </p:blipFill>
+        <p:spPr bwMode="auto">
+          <a:xfrm>
+            <a:off x="9902043" y="3136173"/>
+            <a:ext cx="2289957" cy="3721826"/>
+          </a:xfrm>
+          <a:prstGeom prst="rect">
+            <a:avLst/>
+          </a:prstGeom>
+          <a:noFill/>
+          <a:extLst>
+            <a:ext uri="{909E8E84-426E-40DD-AFC4-6F175D3DCCD1}">
+              <a14:hiddenFill xmlns:a14="http://schemas.microsoft.com/office/drawing/2010/main">
+                <a:solidFill>
+                  <a:srgbClr val="FFFFFF"/>
+                </a:solidFill>
+              </a14:hiddenFill>
+            </a:ext>
+          </a:extLst>
+        </p:spPr>
+      </p:pic>
+    </p:spTree>
+    <p:extLst>
+      <p:ext uri="{BB962C8B-B14F-4D97-AF65-F5344CB8AC3E}">
+        <p14:creationId xmlns:p14="http://schemas.microsoft.com/office/powerpoint/2010/main" val="4017513148"/>
+      </p:ext>
+    </p:extLst>
+  </p:cSld>
+  <p:clrMapOvr>
+    <a:masterClrMapping/>
+  </p:clrMapOvr>
+</p:sld>
+</file>
+
 <file path=ppt/slides/slide2.xml><?xml version="1.0" encoding="utf-8"?>
 <p:sld xmlns:a="http://schemas.openxmlformats.org/drawingml/2006/main" xmlns:r="http://schemas.openxmlformats.org/officeDocument/2006/relationships" xmlns:p="http://schemas.openxmlformats.org/presentationml/2006/main">
   <p:cSld>
@@ -5226,8 +5394,8 @@
         </p:nvSpPr>
         <p:spPr>
           <a:xfrm>
-            <a:off x="3327039" y="4939741"/>
-            <a:ext cx="5537915" cy="461665"/>
+            <a:off x="2144113" y="5505717"/>
+            <a:ext cx="8464000" cy="461665"/>
           </a:xfrm>
           <a:prstGeom prst="rect">
             <a:avLst/>
@@ -5243,26 +5411,24 @@
             <a:pPr algn="ctr"/>
             <a:r>
               <a:rPr lang="en-US" sz="2400" i="1"/>
-              <a:t>Phương pháp nhân hai ma trận</a:t>
+              <a:t>Kết quả thực nghiệm (CPU Intel G4560 2 cores 4 threads)</a:t>
             </a:r>
           </a:p>
         </p:txBody>
       </p:sp>
       <p:pic>
         <p:nvPicPr>
-          <p:cNvPr id="18" name="Content Placeholder 17">
-            <a:extLst>
-              <a:ext uri="{FF2B5EF4-FFF2-40B4-BE49-F238E27FC236}">
-                <a16:creationId xmlns:a16="http://schemas.microsoft.com/office/drawing/2014/main" id="{143ADCA8-3103-4667-83CC-EE6E78A04CA5}"/>
+          <p:cNvPr id="7" name="Picture 6">
+            <a:extLst>
+              <a:ext uri="{FF2B5EF4-FFF2-40B4-BE49-F238E27FC236}">
+                <a16:creationId xmlns:a16="http://schemas.microsoft.com/office/drawing/2014/main" id="{811FCF04-98E6-4B50-9D2C-76EA216236F7}"/>
               </a:ext>
             </a:extLst>
           </p:cNvPr>
           <p:cNvPicPr>
-            <a:picLocks noGrp="1" noChangeAspect="1"/>
+            <a:picLocks noChangeAspect="1"/>
           </p:cNvPicPr>
-          <p:nvPr>
-            <p:ph idx="1"/>
-          </p:nvPr>
+          <p:nvPr/>
         </p:nvPicPr>
         <p:blipFill>
           <a:blip r:embed="rId3">
@@ -5278,9 +5444,48 @@
         </p:blipFill>
         <p:spPr>
           <a:xfrm>
-            <a:off x="476358" y="1569032"/>
-            <a:ext cx="11239275" cy="3370709"/>
+            <a:off x="6253128" y="1352283"/>
+            <a:ext cx="5537915" cy="4153436"/>
           </a:xfrm>
+          <a:prstGeom prst="rect">
+            <a:avLst/>
+          </a:prstGeom>
+        </p:spPr>
+      </p:pic>
+      <p:pic>
+        <p:nvPicPr>
+          <p:cNvPr id="9" name="Picture 8">
+            <a:extLst>
+              <a:ext uri="{FF2B5EF4-FFF2-40B4-BE49-F238E27FC236}">
+                <a16:creationId xmlns:a16="http://schemas.microsoft.com/office/drawing/2014/main" id="{21A4E61C-72AF-42A8-A160-B81B9C01C843}"/>
+              </a:ext>
+            </a:extLst>
+          </p:cNvPr>
+          <p:cNvPicPr>
+            <a:picLocks noChangeAspect="1"/>
+          </p:cNvPicPr>
+          <p:nvPr/>
+        </p:nvPicPr>
+        <p:blipFill>
+          <a:blip r:embed="rId4">
+            <a:extLst>
+              <a:ext uri="{28A0092B-C50C-407E-A947-70E740481C1C}">
+                <a14:useLocalDpi xmlns:a14="http://schemas.microsoft.com/office/drawing/2010/main" val="0"/>
+              </a:ext>
+            </a:extLst>
+          </a:blip>
+          <a:stretch>
+            <a:fillRect/>
+          </a:stretch>
+        </p:blipFill>
+        <p:spPr>
+          <a:xfrm>
+            <a:off x="838200" y="1352282"/>
+            <a:ext cx="5537913" cy="4153435"/>
+          </a:xfrm>
+          <a:prstGeom prst="rect">
+            <a:avLst/>
+          </a:prstGeom>
         </p:spPr>
       </p:pic>
     </p:spTree>
